--- a/ENME462_Studio_01/ENME-462 Studio.pptx
+++ b/ENME462_Studio_01/ENME-462 Studio.pptx
@@ -6,18 +6,17 @@
     <p:sldMasterId id="2147483660" r:id="rId2"/>
   </p:sldMasterIdLst>
   <p:notesMasterIdLst>
-    <p:notesMasterId r:id="rId9"/>
+    <p:notesMasterId r:id="rId8"/>
   </p:notesMasterIdLst>
   <p:handoutMasterIdLst>
-    <p:handoutMasterId r:id="rId10"/>
+    <p:handoutMasterId r:id="rId9"/>
   </p:handoutMasterIdLst>
   <p:sldIdLst>
     <p:sldId id="256" r:id="rId3"/>
     <p:sldId id="306" r:id="rId4"/>
     <p:sldId id="308" r:id="rId5"/>
     <p:sldId id="310" r:id="rId6"/>
-    <p:sldId id="309" r:id="rId7"/>
-    <p:sldId id="311" r:id="rId8"/>
+    <p:sldId id="311" r:id="rId7"/>
   </p:sldIdLst>
   <p:sldSz cx="9144000" cy="6858000" type="screen4x3"/>
   <p:notesSz cx="6934200" cy="9232900"/>
@@ -217,7 +216,7 @@
           <a:p>
             <a:fld id="{81B35F05-4831-49C6-9278-89601294AF8F}" type="datetimeFigureOut">
               <a:rPr lang="en-US" smtClean="0"/>
-              <a:t>9/11/19</a:t>
+              <a:t>1/30/2020</a:t>
             </a:fld>
             <a:endParaRPr lang="en-US"/>
           </a:p>
@@ -383,7 +382,7 @@
             <a:fld id="{815639A7-AD12-44E9-AEE8-B9F1E8672A97}" type="datetimeFigureOut">
               <a:rPr lang="en-US" smtClean="0"/>
               <a:pPr/>
-              <a:t>9/11/19</a:t>
+              <a:t>1/30/2020</a:t>
             </a:fld>
             <a:endParaRPr lang="en-US"/>
           </a:p>
@@ -1021,7 +1020,7 @@
               <a:pPr>
                 <a:defRPr/>
               </a:pPr>
-              <a:t>9/11/19</a:t>
+              <a:t>1/30/2020</a:t>
             </a:fld>
             <a:endParaRPr lang="en-US"/>
           </a:p>
@@ -1694,7 +1693,7 @@
               <a:pPr>
                 <a:defRPr/>
               </a:pPr>
-              <a:t>9/11/19</a:t>
+              <a:t>1/30/2020</a:t>
             </a:fld>
             <a:endParaRPr lang="en-US"/>
           </a:p>
@@ -1943,7 +1942,7 @@
               <a:pPr>
                 <a:defRPr/>
               </a:pPr>
-              <a:t>9/11/19</a:t>
+              <a:t>1/30/2020</a:t>
             </a:fld>
             <a:endParaRPr lang="en-US"/>
           </a:p>
@@ -3651,7 +3650,7 @@
               <a:pPr>
                 <a:defRPr/>
               </a:pPr>
-              <a:t>9/11/19</a:t>
+              <a:t>1/30/2020</a:t>
             </a:fld>
             <a:endParaRPr lang="en-US"/>
           </a:p>
@@ -7684,7 +7683,13 @@
               <a:rPr lang="en-US" sz="1800" dirty="0">
                 <a:latin typeface="+mn-lt"/>
               </a:rPr>
-              <a:t>Section 0101, FR, SH</a:t>
+              <a:t>Section </a:t>
+            </a:r>
+            <a:r>
+              <a:rPr lang="en-US" sz="1800" dirty="0" smtClean="0">
+                <a:latin typeface="+mn-lt"/>
+              </a:rPr>
+              <a:t>0102</a:t>
             </a:r>
           </a:p>
           <a:p>
@@ -7694,10 +7699,22 @@
               </a:spcBef>
             </a:pPr>
             <a:r>
+              <a:rPr lang="en-US" sz="1800" dirty="0" smtClean="0">
+                <a:latin typeface="+mn-lt"/>
+              </a:rPr>
+              <a:t>Thursday</a:t>
+            </a:r>
+            <a:r>
+              <a:rPr lang="en-US" sz="1800" dirty="0" smtClean="0">
+                <a:latin typeface="+mn-lt"/>
+              </a:rPr>
+              <a:t> </a:t>
+            </a:r>
+            <a:r>
               <a:rPr lang="en-US" sz="1800" dirty="0">
                 <a:latin typeface="+mn-lt"/>
               </a:rPr>
-              <a:t>Wednesday 1:00 – 2:50 PM</a:t>
+              <a:t>1:00 – 2:50 PM</a:t>
             </a:r>
           </a:p>
           <a:p>
@@ -7831,8 +7848,40 @@
           <a:p>
             <a:pPr lvl="1"/>
             <a:r>
+              <a:rPr lang="en-US" dirty="0" smtClean="0"/>
+              <a:t>M&amp;W </a:t>
+            </a:r>
+            <a:r>
+              <a:rPr lang="en-US" dirty="0" smtClean="0"/>
+              <a:t>4</a:t>
+            </a:r>
+            <a:r>
+              <a:rPr lang="en-US" dirty="0" smtClean="0"/>
+              <a:t>:00 </a:t>
+            </a:r>
+            <a:r>
               <a:rPr lang="en-US" dirty="0"/>
-              <a:t>Friday 9:30 – 11:30 AM	</a:t>
+              <a:t>– </a:t>
+            </a:r>
+            <a:r>
+              <a:rPr lang="en-US" dirty="0" smtClean="0"/>
+              <a:t>5</a:t>
+            </a:r>
+            <a:r>
+              <a:rPr lang="en-US" dirty="0" smtClean="0"/>
+              <a:t>:00 </a:t>
+            </a:r>
+            <a:r>
+              <a:rPr lang="en-US" dirty="0"/>
+              <a:t>P</a:t>
+            </a:r>
+            <a:r>
+              <a:rPr lang="en-US" dirty="0" smtClean="0"/>
+              <a:t>M</a:t>
+            </a:r>
+            <a:r>
+              <a:rPr lang="en-US" dirty="0"/>
+              <a:t>	</a:t>
             </a:r>
           </a:p>
           <a:p>
@@ -8476,9 +8525,10 @@
           <a:lstStyle/>
           <a:p>
             <a:r>
-              <a:rPr lang="en-US" dirty="0"/>
-              <a:t>Attendance – Section 0101 </a:t>
-            </a:r>
+              <a:rPr lang="en-US" dirty="0" smtClean="0"/>
+              <a:t>Attendance </a:t>
+            </a:r>
+            <a:endParaRPr lang="en-US" dirty="0"/>
           </a:p>
         </p:txBody>
       </p:sp>
@@ -8555,7 +8605,7 @@
           <p:nvPr>
             <p:extLst>
               <p:ext uri="{D42A27DB-BD31-4B8C-83A1-F6EECF244321}">
-                <p14:modId xmlns:p14="http://schemas.microsoft.com/office/powerpoint/2010/main" val="1135098272"/>
+                <p14:modId xmlns:p14="http://schemas.microsoft.com/office/powerpoint/2010/main" val="2392506660"/>
               </p:ext>
             </p:extLst>
           </p:nvPr>
@@ -8661,6 +8711,11 @@
                       <a:pPr algn="ctr"/>
                       <a:r>
                         <a:rPr lang="en-US" dirty="0">
+                          <a:solidFill>
+                            <a:schemeClr val="accent1">
+                              <a:lumMod val="75000"/>
+                            </a:schemeClr>
+                          </a:solidFill>
                           <a:latin typeface="Brush Script MT" panose="03060802040406070304" pitchFamily="66" charset="-122"/>
                           <a:ea typeface="Brush Script MT" panose="03060802040406070304" pitchFamily="66" charset="-122"/>
                           <a:cs typeface="Brush Script MT" panose="03060802040406070304" pitchFamily="66" charset="-122"/>
@@ -8716,6 +8771,11 @@
                       <a:pPr algn="ctr"/>
                       <a:r>
                         <a:rPr lang="en-US" dirty="0">
+                          <a:solidFill>
+                            <a:schemeClr val="accent1">
+                              <a:lumMod val="75000"/>
+                            </a:schemeClr>
+                          </a:solidFill>
                           <a:latin typeface="Brush Script MT" panose="03060802040406070304" pitchFamily="66" charset="-122"/>
                           <a:ea typeface="Brush Script MT" panose="03060802040406070304" pitchFamily="66" charset="-122"/>
                           <a:cs typeface="Brush Script MT" panose="03060802040406070304" pitchFamily="66" charset="-122"/>
@@ -8772,7 +8832,9 @@
                       <a:r>
                         <a:rPr lang="en-US" sz="1800" kern="1200" dirty="0">
                           <a:solidFill>
-                            <a:schemeClr val="tx1"/>
+                            <a:schemeClr val="accent1">
+                              <a:lumMod val="75000"/>
+                            </a:schemeClr>
                           </a:solidFill>
                           <a:latin typeface="Brush Script MT" panose="03060802040406070304" pitchFamily="66" charset="-122"/>
                           <a:ea typeface="Brush Script MT" panose="03060802040406070304" pitchFamily="66" charset="-122"/>
@@ -9407,434 +9469,6 @@
       </p:grpSpPr>
       <p:sp>
         <p:nvSpPr>
-          <p:cNvPr id="2" name="Title 1"/>
-          <p:cNvSpPr>
-            <a:spLocks noGrp="1"/>
-          </p:cNvSpPr>
-          <p:nvPr>
-            <p:ph type="title"/>
-          </p:nvPr>
-        </p:nvSpPr>
-        <p:spPr/>
-        <p:txBody>
-          <a:bodyPr/>
-          <a:lstStyle/>
-          <a:p>
-            <a:r>
-              <a:rPr lang="en-US" dirty="0"/>
-              <a:t>Attendance – FR, SH</a:t>
-            </a:r>
-          </a:p>
-        </p:txBody>
-      </p:sp>
-      <p:sp>
-        <p:nvSpPr>
-          <p:cNvPr id="3" name="Content Placeholder 2"/>
-          <p:cNvSpPr>
-            <a:spLocks noGrp="1"/>
-          </p:cNvSpPr>
-          <p:nvPr>
-            <p:ph idx="1"/>
-          </p:nvPr>
-        </p:nvSpPr>
-        <p:spPr>
-          <a:xfrm>
-            <a:off x="4063068" y="1474117"/>
-            <a:ext cx="4852332" cy="709366"/>
-          </a:xfrm>
-        </p:spPr>
-        <p:txBody>
-          <a:bodyPr/>
-          <a:lstStyle/>
-          <a:p>
-            <a:pPr marL="457200" lvl="1" indent="0">
-              <a:spcBef>
-                <a:spcPts val="0"/>
-              </a:spcBef>
-              <a:spcAft>
-                <a:spcPts val="0"/>
-              </a:spcAft>
-              <a:buNone/>
-            </a:pPr>
-            <a:r>
-              <a:rPr lang="en-US" sz="1800" dirty="0"/>
-              <a:t>submit HW as a proof of attendance</a:t>
-            </a:r>
-          </a:p>
-          <a:p>
-            <a:pPr marL="457200" lvl="1" indent="0">
-              <a:spcBef>
-                <a:spcPts val="0"/>
-              </a:spcBef>
-              <a:spcAft>
-                <a:spcPts val="0"/>
-              </a:spcAft>
-              <a:buNone/>
-            </a:pPr>
-            <a:r>
-              <a:rPr lang="en-US" sz="1800" dirty="0"/>
-              <a:t>During the studio time </a:t>
-            </a:r>
-          </a:p>
-          <a:p>
-            <a:pPr marL="457200" lvl="1" indent="0">
-              <a:lnSpc>
-                <a:spcPct val="150000"/>
-              </a:lnSpc>
-              <a:spcBef>
-                <a:spcPts val="600"/>
-              </a:spcBef>
-              <a:spcAft>
-                <a:spcPts val="600"/>
-              </a:spcAft>
-              <a:buNone/>
-            </a:pPr>
-            <a:r>
-              <a:rPr lang="en-US" sz="1800" dirty="0"/>
-              <a:t>  </a:t>
-            </a:r>
-          </a:p>
-        </p:txBody>
-      </p:sp>
-      <p:sp>
-        <p:nvSpPr>
-          <p:cNvPr id="4" name="Slide Number Placeholder 3"/>
-          <p:cNvSpPr>
-            <a:spLocks noGrp="1"/>
-          </p:cNvSpPr>
-          <p:nvPr>
-            <p:ph type="sldNum" sz="quarter" idx="12"/>
-          </p:nvPr>
-        </p:nvSpPr>
-        <p:spPr/>
-        <p:txBody>
-          <a:bodyPr/>
-          <a:lstStyle/>
-          <a:p>
-            <a:fld id="{44D45FE2-5FB7-4016-A23B-295E3D83A60F}" type="slidenum">
-              <a:rPr lang="en-US" smtClean="0"/>
-              <a:pPr/>
-              <a:t>5</a:t>
-            </a:fld>
-            <a:endParaRPr lang="en-US" dirty="0"/>
-          </a:p>
-        </p:txBody>
-      </p:sp>
-      <p:pic>
-        <p:nvPicPr>
-          <p:cNvPr id="10" name="Picture 9">
-            <a:extLst>
-              <a:ext uri="{FF2B5EF4-FFF2-40B4-BE49-F238E27FC236}">
-                <a16:creationId xmlns:a16="http://schemas.microsoft.com/office/drawing/2014/main" id="{BD5431A6-547B-BC4F-830D-83747D511A7B}"/>
-              </a:ext>
-            </a:extLst>
-          </p:cNvPr>
-          <p:cNvPicPr>
-            <a:picLocks noChangeAspect="1"/>
-          </p:cNvPicPr>
-          <p:nvPr/>
-        </p:nvPicPr>
-        <p:blipFill>
-          <a:blip r:embed="rId2">
-            <a:extLst>
-              <a:ext uri="{28A0092B-C50C-407E-A947-70E740481C1C}">
-                <a14:useLocalDpi xmlns:a14="http://schemas.microsoft.com/office/drawing/2010/main" val="0"/>
-              </a:ext>
-            </a:extLst>
-          </a:blip>
-          <a:stretch>
-            <a:fillRect/>
-          </a:stretch>
-        </p:blipFill>
-        <p:spPr>
-          <a:xfrm>
-            <a:off x="381000" y="2438400"/>
-            <a:ext cx="6553200" cy="1706563"/>
-          </a:xfrm>
-          <a:prstGeom prst="rect">
-            <a:avLst/>
-          </a:prstGeom>
-        </p:spPr>
-      </p:pic>
-      <p:cxnSp>
-        <p:nvCxnSpPr>
-          <p:cNvPr id="12" name="Straight Arrow Connector 11">
-            <a:extLst>
-              <a:ext uri="{FF2B5EF4-FFF2-40B4-BE49-F238E27FC236}">
-                <a16:creationId xmlns:a16="http://schemas.microsoft.com/office/drawing/2014/main" id="{097D6F59-1057-E14C-99DF-0EF3043CC681}"/>
-              </a:ext>
-            </a:extLst>
-          </p:cNvPr>
-          <p:cNvCxnSpPr>
-            <a:cxnSpLocks/>
-          </p:cNvCxnSpPr>
-          <p:nvPr/>
-        </p:nvCxnSpPr>
-        <p:spPr>
-          <a:xfrm flipH="1">
-            <a:off x="3679971" y="1828800"/>
-            <a:ext cx="739629" cy="587128"/>
-          </a:xfrm>
-          <a:prstGeom prst="straightConnector1">
-            <a:avLst/>
-          </a:prstGeom>
-          <a:ln>
-            <a:tailEnd type="triangle"/>
-          </a:ln>
-        </p:spPr>
-        <p:style>
-          <a:lnRef idx="1">
-            <a:schemeClr val="dk1"/>
-          </a:lnRef>
-          <a:fillRef idx="0">
-            <a:schemeClr val="dk1"/>
-          </a:fillRef>
-          <a:effectRef idx="0">
-            <a:schemeClr val="dk1"/>
-          </a:effectRef>
-          <a:fontRef idx="minor">
-            <a:schemeClr val="tx1"/>
-          </a:fontRef>
-        </p:style>
-      </p:cxnSp>
-      <p:sp>
-        <p:nvSpPr>
-          <p:cNvPr id="17" name="Content Placeholder 2">
-            <a:extLst>
-              <a:ext uri="{FF2B5EF4-FFF2-40B4-BE49-F238E27FC236}">
-                <a16:creationId xmlns:a16="http://schemas.microsoft.com/office/drawing/2014/main" id="{BF18A069-3B38-5B49-8D25-B1AA9035A57C}"/>
-              </a:ext>
-            </a:extLst>
-          </p:cNvPr>
-          <p:cNvSpPr txBox="1">
-            <a:spLocks/>
-          </p:cNvSpPr>
-          <p:nvPr/>
-        </p:nvSpPr>
-        <p:spPr bwMode="auto">
-          <a:xfrm>
-            <a:off x="76200" y="4572000"/>
-            <a:ext cx="5867400" cy="709366"/>
-          </a:xfrm>
-          <a:prstGeom prst="rect">
-            <a:avLst/>
-          </a:prstGeom>
-          <a:noFill/>
-          <a:ln w="9525">
-            <a:noFill/>
-            <a:miter lim="800000"/>
-            <a:headEnd/>
-            <a:tailEnd/>
-          </a:ln>
-        </p:spPr>
-        <p:txBody>
-          <a:bodyPr vert="horz" wrap="square" lIns="91440" tIns="45720" rIns="91440" bIns="45720" numCol="1" anchor="t" anchorCtr="0" compatLnSpc="1">
-            <a:prstTxWarp prst="textNoShape">
-              <a:avLst/>
-            </a:prstTxWarp>
-          </a:bodyPr>
-          <a:lstStyle>
-            <a:lvl1pPr marL="342900" indent="-342900" algn="l" rtl="0" eaLnBrk="1" fontAlgn="base" hangingPunct="1">
-              <a:spcBef>
-                <a:spcPct val="20000"/>
-              </a:spcBef>
-              <a:spcAft>
-                <a:spcPct val="0"/>
-              </a:spcAft>
-              <a:buFont typeface="Arial" charset="0"/>
-              <a:buChar char="•"/>
-              <a:defRPr sz="2800" kern="1200">
-                <a:solidFill>
-                  <a:schemeClr val="tx1"/>
-                </a:solidFill>
-                <a:latin typeface="Cambria Math" pitchFamily="18" charset="0"/>
-                <a:ea typeface="Cambria Math" pitchFamily="18" charset="0"/>
-                <a:cs typeface="+mn-cs"/>
-              </a:defRPr>
-            </a:lvl1pPr>
-            <a:lvl2pPr marL="742950" indent="-285750" algn="l" rtl="0" eaLnBrk="1" fontAlgn="base" hangingPunct="1">
-              <a:spcBef>
-                <a:spcPct val="20000"/>
-              </a:spcBef>
-              <a:spcAft>
-                <a:spcPct val="0"/>
-              </a:spcAft>
-              <a:buFont typeface="Arial" charset="0"/>
-              <a:buChar char="–"/>
-              <a:defRPr sz="2400" kern="1200">
-                <a:solidFill>
-                  <a:schemeClr val="tx1"/>
-                </a:solidFill>
-                <a:latin typeface="Cambria Math" pitchFamily="18" charset="0"/>
-                <a:ea typeface="Cambria Math" pitchFamily="18" charset="0"/>
-                <a:cs typeface="+mn-cs"/>
-              </a:defRPr>
-            </a:lvl2pPr>
-            <a:lvl3pPr marL="1143000" indent="-228600" algn="l" rtl="0" eaLnBrk="1" fontAlgn="base" hangingPunct="1">
-              <a:spcBef>
-                <a:spcPct val="20000"/>
-              </a:spcBef>
-              <a:spcAft>
-                <a:spcPct val="0"/>
-              </a:spcAft>
-              <a:buFont typeface="Arial" charset="0"/>
-              <a:buChar char="•"/>
-              <a:defRPr sz="2200" kern="1200">
-                <a:solidFill>
-                  <a:schemeClr val="tx1"/>
-                </a:solidFill>
-                <a:latin typeface="Cambria Math" pitchFamily="18" charset="0"/>
-                <a:ea typeface="Cambria Math" pitchFamily="18" charset="0"/>
-                <a:cs typeface="+mn-cs"/>
-              </a:defRPr>
-            </a:lvl3pPr>
-            <a:lvl4pPr marL="1600200" indent="-228600" algn="l" rtl="0" eaLnBrk="1" fontAlgn="base" hangingPunct="1">
-              <a:spcBef>
-                <a:spcPct val="20000"/>
-              </a:spcBef>
-              <a:spcAft>
-                <a:spcPct val="0"/>
-              </a:spcAft>
-              <a:buFont typeface="Arial" charset="0"/>
-              <a:buChar char="–"/>
-              <a:defRPr sz="2000" kern="1200">
-                <a:solidFill>
-                  <a:schemeClr val="tx1"/>
-                </a:solidFill>
-                <a:latin typeface="Cambria Math" pitchFamily="18" charset="0"/>
-                <a:ea typeface="Cambria Math" pitchFamily="18" charset="0"/>
-                <a:cs typeface="+mn-cs"/>
-              </a:defRPr>
-            </a:lvl4pPr>
-            <a:lvl5pPr marL="2057400" indent="-228600" algn="l" rtl="0" eaLnBrk="1" fontAlgn="base" hangingPunct="1">
-              <a:spcBef>
-                <a:spcPct val="20000"/>
-              </a:spcBef>
-              <a:spcAft>
-                <a:spcPct val="0"/>
-              </a:spcAft>
-              <a:buFont typeface="Arial" charset="0"/>
-              <a:buChar char="»"/>
-              <a:defRPr sz="1800" kern="1200">
-                <a:solidFill>
-                  <a:schemeClr val="tx1"/>
-                </a:solidFill>
-                <a:latin typeface="Cambria Math" pitchFamily="18" charset="0"/>
-                <a:ea typeface="Cambria Math" pitchFamily="18" charset="0"/>
-                <a:cs typeface="+mn-cs"/>
-              </a:defRPr>
-            </a:lvl5pPr>
-            <a:lvl6pPr marL="2514600" indent="-228600" algn="l" defTabSz="914400" rtl="0" eaLnBrk="1" latinLnBrk="0" hangingPunct="1">
-              <a:spcBef>
-                <a:spcPct val="20000"/>
-              </a:spcBef>
-              <a:buFont typeface="Arial" pitchFamily="34" charset="0"/>
-              <a:buChar char="•"/>
-              <a:defRPr sz="2000" kern="1200">
-                <a:solidFill>
-                  <a:schemeClr val="tx1"/>
-                </a:solidFill>
-                <a:latin typeface="+mn-lt"/>
-                <a:ea typeface="+mn-ea"/>
-                <a:cs typeface="+mn-cs"/>
-              </a:defRPr>
-            </a:lvl6pPr>
-            <a:lvl7pPr marL="2971800" indent="-228600" algn="l" defTabSz="914400" rtl="0" eaLnBrk="1" latinLnBrk="0" hangingPunct="1">
-              <a:spcBef>
-                <a:spcPct val="20000"/>
-              </a:spcBef>
-              <a:buFont typeface="Arial" pitchFamily="34" charset="0"/>
-              <a:buChar char="•"/>
-              <a:defRPr sz="2000" kern="1200">
-                <a:solidFill>
-                  <a:schemeClr val="tx1"/>
-                </a:solidFill>
-                <a:latin typeface="+mn-lt"/>
-                <a:ea typeface="+mn-ea"/>
-                <a:cs typeface="+mn-cs"/>
-              </a:defRPr>
-            </a:lvl7pPr>
-            <a:lvl8pPr marL="3429000" indent="-228600" algn="l" defTabSz="914400" rtl="0" eaLnBrk="1" latinLnBrk="0" hangingPunct="1">
-              <a:spcBef>
-                <a:spcPct val="20000"/>
-              </a:spcBef>
-              <a:buFont typeface="Arial" pitchFamily="34" charset="0"/>
-              <a:buChar char="•"/>
-              <a:defRPr sz="2000" kern="1200">
-                <a:solidFill>
-                  <a:schemeClr val="tx1"/>
-                </a:solidFill>
-                <a:latin typeface="+mn-lt"/>
-                <a:ea typeface="+mn-ea"/>
-                <a:cs typeface="+mn-cs"/>
-              </a:defRPr>
-            </a:lvl8pPr>
-            <a:lvl9pPr marL="3886200" indent="-228600" algn="l" defTabSz="914400" rtl="0" eaLnBrk="1" latinLnBrk="0" hangingPunct="1">
-              <a:spcBef>
-                <a:spcPct val="20000"/>
-              </a:spcBef>
-              <a:buFont typeface="Arial" pitchFamily="34" charset="0"/>
-              <a:buChar char="•"/>
-              <a:defRPr sz="2000" kern="1200">
-                <a:solidFill>
-                  <a:schemeClr val="tx1"/>
-                </a:solidFill>
-                <a:latin typeface="+mn-lt"/>
-                <a:ea typeface="+mn-ea"/>
-                <a:cs typeface="+mn-cs"/>
-              </a:defRPr>
-            </a:lvl9pPr>
-          </a:lstStyle>
-          <a:p>
-            <a:pPr marL="457200" lvl="1" indent="0">
-              <a:spcBef>
-                <a:spcPts val="0"/>
-              </a:spcBef>
-              <a:spcAft>
-                <a:spcPts val="0"/>
-              </a:spcAft>
-              <a:buFont typeface="Arial" charset="0"/>
-              <a:buNone/>
-            </a:pPr>
-            <a:r>
-              <a:rPr lang="en-US" sz="1800" dirty="0"/>
-              <a:t>Studio-n HW is due by the begin of Studio-n+1</a:t>
-            </a:r>
-          </a:p>
-        </p:txBody>
-      </p:sp>
-    </p:spTree>
-    <p:extLst>
-      <p:ext uri="{BB962C8B-B14F-4D97-AF65-F5344CB8AC3E}">
-        <p14:creationId xmlns:p14="http://schemas.microsoft.com/office/powerpoint/2010/main" val="2704781990"/>
-      </p:ext>
-    </p:extLst>
-  </p:cSld>
-  <p:clrMapOvr>
-    <a:masterClrMapping/>
-  </p:clrMapOvr>
-</p:sld>
-</file>
-
-<file path=ppt/slides/slide6.xml><?xml version="1.0" encoding="utf-8"?>
-<p:sld xmlns:a="http://schemas.openxmlformats.org/drawingml/2006/main" xmlns:r="http://schemas.openxmlformats.org/officeDocument/2006/relationships" xmlns:p="http://schemas.openxmlformats.org/presentationml/2006/main">
-  <p:cSld>
-    <p:spTree>
-      <p:nvGrpSpPr>
-        <p:cNvPr id="1" name=""/>
-        <p:cNvGrpSpPr/>
-        <p:nvPr/>
-      </p:nvGrpSpPr>
-      <p:grpSpPr>
-        <a:xfrm>
-          <a:off x="0" y="0"/>
-          <a:ext cx="0" cy="0"/>
-          <a:chOff x="0" y="0"/>
-          <a:chExt cx="0" cy="0"/>
-        </a:xfrm>
-      </p:grpSpPr>
-      <p:sp>
-        <p:nvSpPr>
           <p:cNvPr id="6" name="Content Placeholder 5">
             <a:extLst>
               <a:ext uri="{FF2B5EF4-FFF2-40B4-BE49-F238E27FC236}">
@@ -9904,7 +9538,7 @@
             <a:fld id="{44D45FE2-5FB7-4016-A23B-295E3D83A60F}" type="slidenum">
               <a:rPr lang="en-US" smtClean="0"/>
               <a:pPr/>
-              <a:t>6</a:t>
+              <a:t>5</a:t>
             </a:fld>
             <a:endParaRPr lang="en-US" dirty="0"/>
           </a:p>
